--- a/presentation/אדוס אוסזואה – חווית שיפוט כדורגל בישראל.pptx
+++ b/presentation/אדוס אוסזואה – חווית שיפוט כדורגל בישראל.pptx
@@ -3870,8 +3870,13 @@
             <a:pPr algn="r"/>
             <a:r>
               <a:rPr lang="he-IL" dirty="0"/>
-              <a:t>שקול ומחושב – לכל מילה ושריקה יש משמעות</a:t>
-            </a:r>
+              <a:t>שקול ומחושב – לכל מילה ושריקה </a:t>
+            </a:r>
+            <a:r>
+              <a:rPr lang="he-IL"/>
+              <a:t>יש משמעות.</a:t>
+            </a:r>
+            <a:endParaRPr lang="he-IL" dirty="0"/>
           </a:p>
         </p:txBody>
       </p:sp>
@@ -3906,7 +3911,7 @@
             <a:pPr algn="r"/>
             <a:r>
               <a:rPr lang="he-IL" dirty="0"/>
-              <a:t>כבוד ויושרה בשילוב עם תקיפות והחלטיות</a:t>
+              <a:t>כבוד ויושרה בשילוב עם תקיפות והחלטיות.</a:t>
             </a:r>
           </a:p>
         </p:txBody>
@@ -3942,7 +3947,7 @@
             <a:pPr algn="r"/>
             <a:r>
               <a:rPr lang="he-IL" dirty="0"/>
-              <a:t>לפעול נכון ומהר – אסור להתמהמה או לטעות בהחלטות</a:t>
+              <a:t>לפעול נכון ומהר – אסור להתמהמה או לטעות בהחלטות.</a:t>
             </a:r>
           </a:p>
         </p:txBody>
